--- a/ppt 16-9/1067.从伯利恒我们.pptx
+++ b/ppt 16-9/1067.从伯利恒我们.pptx
@@ -129,7 +129,7 @@
           <p:cNvPr id="2" name="标题 1">
             <a:extLst>
               <a:ext uri="{FF2B5EF4-FFF2-40B4-BE49-F238E27FC236}">
-                <a16:creationId xmlns:a16="http://schemas.microsoft.com/office/drawing/2014/main" id="{D1E8D194-61DD-A537-C003-8CCC5DC66832}"/>
+                <a16:creationId xmlns:a16="http://schemas.microsoft.com/office/drawing/2014/main" id="{4F909046-0450-1846-E66F-4BEFF5035298}"/>
               </a:ext>
             </a:extLst>
           </p:cNvPr>
@@ -166,7 +166,7 @@
           <p:cNvPr id="3" name="副标题 2">
             <a:extLst>
               <a:ext uri="{FF2B5EF4-FFF2-40B4-BE49-F238E27FC236}">
-                <a16:creationId xmlns:a16="http://schemas.microsoft.com/office/drawing/2014/main" id="{23D4BF62-6B87-AD60-EFA9-61A452F87199}"/>
+                <a16:creationId xmlns:a16="http://schemas.microsoft.com/office/drawing/2014/main" id="{836D7689-BEFA-EE3B-E457-BBBBDE1305ED}"/>
               </a:ext>
             </a:extLst>
           </p:cNvPr>
@@ -236,7 +236,7 @@
           <p:cNvPr id="4" name="日期占位符 3">
             <a:extLst>
               <a:ext uri="{FF2B5EF4-FFF2-40B4-BE49-F238E27FC236}">
-                <a16:creationId xmlns:a16="http://schemas.microsoft.com/office/drawing/2014/main" id="{1B0477BA-55D4-01EA-6372-313AD3731D17}"/>
+                <a16:creationId xmlns:a16="http://schemas.microsoft.com/office/drawing/2014/main" id="{56496E78-3E5E-7E76-E5E3-87B1FAA4E9B2}"/>
               </a:ext>
             </a:extLst>
           </p:cNvPr>
@@ -252,7 +252,7 @@
           <a:bodyPr/>
           <a:lstStyle/>
           <a:p>
-            <a:fld id="{F9B1E6B7-CEA9-4D37-9691-CD4D69D53EAF}" type="datetimeFigureOut">
+            <a:fld id="{FBF2C4FB-A32B-44C7-A548-AC9C542492E6}" type="datetimeFigureOut">
               <a:rPr lang="zh-CN" altLang="en-US" smtClean="0"/>
               <a:t>2024/3/10</a:t>
             </a:fld>
@@ -265,7 +265,7 @@
           <p:cNvPr id="5" name="页脚占位符 4">
             <a:extLst>
               <a:ext uri="{FF2B5EF4-FFF2-40B4-BE49-F238E27FC236}">
-                <a16:creationId xmlns:a16="http://schemas.microsoft.com/office/drawing/2014/main" id="{3CEC9694-E8FC-D8ED-1D82-475983493C3C}"/>
+                <a16:creationId xmlns:a16="http://schemas.microsoft.com/office/drawing/2014/main" id="{3C4C90BF-9521-C14D-8298-2674966960F8}"/>
               </a:ext>
             </a:extLst>
           </p:cNvPr>
@@ -290,7 +290,7 @@
           <p:cNvPr id="6" name="灯片编号占位符 5">
             <a:extLst>
               <a:ext uri="{FF2B5EF4-FFF2-40B4-BE49-F238E27FC236}">
-                <a16:creationId xmlns:a16="http://schemas.microsoft.com/office/drawing/2014/main" id="{EC6AAF39-2123-E654-A3B4-EC7F860E6D61}"/>
+                <a16:creationId xmlns:a16="http://schemas.microsoft.com/office/drawing/2014/main" id="{C6239685-8A19-ED05-EAE8-DC046D51FDED}"/>
               </a:ext>
             </a:extLst>
           </p:cNvPr>
@@ -306,7 +306,7 @@
           <a:bodyPr/>
           <a:lstStyle/>
           <a:p>
-            <a:fld id="{B47DA75D-0CCD-4C85-9499-DDA32D5B2554}" type="slidenum">
+            <a:fld id="{E8ACC9A3-CEA0-4D0C-9AD0-FE513E53B8A8}" type="slidenum">
               <a:rPr lang="zh-CN" altLang="en-US" smtClean="0"/>
               <a:t>‹#›</a:t>
             </a:fld>
@@ -317,7 +317,7 @@
     </p:spTree>
     <p:extLst>
       <p:ext uri="{BB962C8B-B14F-4D97-AF65-F5344CB8AC3E}">
-        <p14:creationId xmlns:p14="http://schemas.microsoft.com/office/powerpoint/2010/main" val="880308337"/>
+        <p14:creationId xmlns:p14="http://schemas.microsoft.com/office/powerpoint/2010/main" val="206336295"/>
       </p:ext>
     </p:extLst>
   </p:cSld>
@@ -349,7 +349,7 @@
           <p:cNvPr id="2" name="标题 1">
             <a:extLst>
               <a:ext uri="{FF2B5EF4-FFF2-40B4-BE49-F238E27FC236}">
-                <a16:creationId xmlns:a16="http://schemas.microsoft.com/office/drawing/2014/main" id="{A5A3FCA9-AA7E-9CFF-D9B0-26408213D1D3}"/>
+                <a16:creationId xmlns:a16="http://schemas.microsoft.com/office/drawing/2014/main" id="{624A213D-0CE9-4BD9-D848-35F78667D7DF}"/>
               </a:ext>
             </a:extLst>
           </p:cNvPr>
@@ -377,7 +377,7 @@
           <p:cNvPr id="3" name="竖排文字占位符 2">
             <a:extLst>
               <a:ext uri="{FF2B5EF4-FFF2-40B4-BE49-F238E27FC236}">
-                <a16:creationId xmlns:a16="http://schemas.microsoft.com/office/drawing/2014/main" id="{F2195813-4100-3156-9068-038AA2FD3DED}"/>
+                <a16:creationId xmlns:a16="http://schemas.microsoft.com/office/drawing/2014/main" id="{CE1D4206-DE09-2A22-AE30-875FB7053B07}"/>
               </a:ext>
             </a:extLst>
           </p:cNvPr>
@@ -434,7 +434,7 @@
           <p:cNvPr id="4" name="日期占位符 3">
             <a:extLst>
               <a:ext uri="{FF2B5EF4-FFF2-40B4-BE49-F238E27FC236}">
-                <a16:creationId xmlns:a16="http://schemas.microsoft.com/office/drawing/2014/main" id="{6D683827-7273-74B1-4477-81D3805D11D4}"/>
+                <a16:creationId xmlns:a16="http://schemas.microsoft.com/office/drawing/2014/main" id="{1E18D666-3E87-B589-D1E8-1BFF370546EB}"/>
               </a:ext>
             </a:extLst>
           </p:cNvPr>
@@ -450,7 +450,7 @@
           <a:bodyPr/>
           <a:lstStyle/>
           <a:p>
-            <a:fld id="{F9B1E6B7-CEA9-4D37-9691-CD4D69D53EAF}" type="datetimeFigureOut">
+            <a:fld id="{FBF2C4FB-A32B-44C7-A548-AC9C542492E6}" type="datetimeFigureOut">
               <a:rPr lang="zh-CN" altLang="en-US" smtClean="0"/>
               <a:t>2024/3/10</a:t>
             </a:fld>
@@ -463,7 +463,7 @@
           <p:cNvPr id="5" name="页脚占位符 4">
             <a:extLst>
               <a:ext uri="{FF2B5EF4-FFF2-40B4-BE49-F238E27FC236}">
-                <a16:creationId xmlns:a16="http://schemas.microsoft.com/office/drawing/2014/main" id="{A26FAF34-00DF-73B9-62BE-A6E43E84D429}"/>
+                <a16:creationId xmlns:a16="http://schemas.microsoft.com/office/drawing/2014/main" id="{9B4CBEBC-4424-78A8-6621-578E8390C36C}"/>
               </a:ext>
             </a:extLst>
           </p:cNvPr>
@@ -488,7 +488,7 @@
           <p:cNvPr id="6" name="灯片编号占位符 5">
             <a:extLst>
               <a:ext uri="{FF2B5EF4-FFF2-40B4-BE49-F238E27FC236}">
-                <a16:creationId xmlns:a16="http://schemas.microsoft.com/office/drawing/2014/main" id="{E70BDE43-73DD-2C26-36E4-296D83260906}"/>
+                <a16:creationId xmlns:a16="http://schemas.microsoft.com/office/drawing/2014/main" id="{5A857EE2-E008-36C3-91C6-06391E3C070D}"/>
               </a:ext>
             </a:extLst>
           </p:cNvPr>
@@ -504,7 +504,7 @@
           <a:bodyPr/>
           <a:lstStyle/>
           <a:p>
-            <a:fld id="{B47DA75D-0CCD-4C85-9499-DDA32D5B2554}" type="slidenum">
+            <a:fld id="{E8ACC9A3-CEA0-4D0C-9AD0-FE513E53B8A8}" type="slidenum">
               <a:rPr lang="zh-CN" altLang="en-US" smtClean="0"/>
               <a:t>‹#›</a:t>
             </a:fld>
@@ -515,7 +515,7 @@
     </p:spTree>
     <p:extLst>
       <p:ext uri="{BB962C8B-B14F-4D97-AF65-F5344CB8AC3E}">
-        <p14:creationId xmlns:p14="http://schemas.microsoft.com/office/powerpoint/2010/main" val="1057889938"/>
+        <p14:creationId xmlns:p14="http://schemas.microsoft.com/office/powerpoint/2010/main" val="3332245093"/>
       </p:ext>
     </p:extLst>
   </p:cSld>
@@ -547,7 +547,7 @@
           <p:cNvPr id="2" name="竖排标题 1">
             <a:extLst>
               <a:ext uri="{FF2B5EF4-FFF2-40B4-BE49-F238E27FC236}">
-                <a16:creationId xmlns:a16="http://schemas.microsoft.com/office/drawing/2014/main" id="{9F585468-C405-212D-C793-BB208EE6BAA9}"/>
+                <a16:creationId xmlns:a16="http://schemas.microsoft.com/office/drawing/2014/main" id="{0A2F0F44-91EA-4EC1-7CC2-7F2A51852A17}"/>
               </a:ext>
             </a:extLst>
           </p:cNvPr>
@@ -580,7 +580,7 @@
           <p:cNvPr id="3" name="竖排文字占位符 2">
             <a:extLst>
               <a:ext uri="{FF2B5EF4-FFF2-40B4-BE49-F238E27FC236}">
-                <a16:creationId xmlns:a16="http://schemas.microsoft.com/office/drawing/2014/main" id="{922E4488-AE34-8887-3A6C-444E864B0DB3}"/>
+                <a16:creationId xmlns:a16="http://schemas.microsoft.com/office/drawing/2014/main" id="{4678640C-695F-B63F-8D55-F5AABD9405BE}"/>
               </a:ext>
             </a:extLst>
           </p:cNvPr>
@@ -642,7 +642,7 @@
           <p:cNvPr id="4" name="日期占位符 3">
             <a:extLst>
               <a:ext uri="{FF2B5EF4-FFF2-40B4-BE49-F238E27FC236}">
-                <a16:creationId xmlns:a16="http://schemas.microsoft.com/office/drawing/2014/main" id="{4483F5C6-0331-1C46-B19F-89AC47985220}"/>
+                <a16:creationId xmlns:a16="http://schemas.microsoft.com/office/drawing/2014/main" id="{6A60D9B3-9B2C-9C4B-9882-15694CFB03DE}"/>
               </a:ext>
             </a:extLst>
           </p:cNvPr>
@@ -658,7 +658,7 @@
           <a:bodyPr/>
           <a:lstStyle/>
           <a:p>
-            <a:fld id="{F9B1E6B7-CEA9-4D37-9691-CD4D69D53EAF}" type="datetimeFigureOut">
+            <a:fld id="{FBF2C4FB-A32B-44C7-A548-AC9C542492E6}" type="datetimeFigureOut">
               <a:rPr lang="zh-CN" altLang="en-US" smtClean="0"/>
               <a:t>2024/3/10</a:t>
             </a:fld>
@@ -671,7 +671,7 @@
           <p:cNvPr id="5" name="页脚占位符 4">
             <a:extLst>
               <a:ext uri="{FF2B5EF4-FFF2-40B4-BE49-F238E27FC236}">
-                <a16:creationId xmlns:a16="http://schemas.microsoft.com/office/drawing/2014/main" id="{F28E0FA7-3509-2F69-1A08-1A86A2AF881B}"/>
+                <a16:creationId xmlns:a16="http://schemas.microsoft.com/office/drawing/2014/main" id="{EED020E1-C72E-A827-097E-2C0D29E0849D}"/>
               </a:ext>
             </a:extLst>
           </p:cNvPr>
@@ -696,7 +696,7 @@
           <p:cNvPr id="6" name="灯片编号占位符 5">
             <a:extLst>
               <a:ext uri="{FF2B5EF4-FFF2-40B4-BE49-F238E27FC236}">
-                <a16:creationId xmlns:a16="http://schemas.microsoft.com/office/drawing/2014/main" id="{6566CB1E-39A0-23B6-654B-8CD50872C130}"/>
+                <a16:creationId xmlns:a16="http://schemas.microsoft.com/office/drawing/2014/main" id="{0EACE006-F856-4B9C-AD51-C0B96AE4F176}"/>
               </a:ext>
             </a:extLst>
           </p:cNvPr>
@@ -712,7 +712,7 @@
           <a:bodyPr/>
           <a:lstStyle/>
           <a:p>
-            <a:fld id="{B47DA75D-0CCD-4C85-9499-DDA32D5B2554}" type="slidenum">
+            <a:fld id="{E8ACC9A3-CEA0-4D0C-9AD0-FE513E53B8A8}" type="slidenum">
               <a:rPr lang="zh-CN" altLang="en-US" smtClean="0"/>
               <a:t>‹#›</a:t>
             </a:fld>
@@ -723,7 +723,7 @@
     </p:spTree>
     <p:extLst>
       <p:ext uri="{BB962C8B-B14F-4D97-AF65-F5344CB8AC3E}">
-        <p14:creationId xmlns:p14="http://schemas.microsoft.com/office/powerpoint/2010/main" val="2723208913"/>
+        <p14:creationId xmlns:p14="http://schemas.microsoft.com/office/powerpoint/2010/main" val="2298848404"/>
       </p:ext>
     </p:extLst>
   </p:cSld>
@@ -755,7 +755,7 @@
           <p:cNvPr id="2" name="标题 1">
             <a:extLst>
               <a:ext uri="{FF2B5EF4-FFF2-40B4-BE49-F238E27FC236}">
-                <a16:creationId xmlns:a16="http://schemas.microsoft.com/office/drawing/2014/main" id="{90BC1B58-C7CC-7BC0-CB94-5EBF242909B1}"/>
+                <a16:creationId xmlns:a16="http://schemas.microsoft.com/office/drawing/2014/main" id="{4DA9D642-48F3-F9FB-57AC-E696A639834B}"/>
               </a:ext>
             </a:extLst>
           </p:cNvPr>
@@ -783,7 +783,7 @@
           <p:cNvPr id="3" name="内容占位符 2">
             <a:extLst>
               <a:ext uri="{FF2B5EF4-FFF2-40B4-BE49-F238E27FC236}">
-                <a16:creationId xmlns:a16="http://schemas.microsoft.com/office/drawing/2014/main" id="{1C5AF68E-FC4D-473F-C2ED-3EC8DCE0F6AE}"/>
+                <a16:creationId xmlns:a16="http://schemas.microsoft.com/office/drawing/2014/main" id="{57E6B672-DDE9-B2F7-5B54-66C94A1262AF}"/>
               </a:ext>
             </a:extLst>
           </p:cNvPr>
@@ -840,7 +840,7 @@
           <p:cNvPr id="4" name="日期占位符 3">
             <a:extLst>
               <a:ext uri="{FF2B5EF4-FFF2-40B4-BE49-F238E27FC236}">
-                <a16:creationId xmlns:a16="http://schemas.microsoft.com/office/drawing/2014/main" id="{DAAAAE39-E51B-F684-57EE-1441ACEBE064}"/>
+                <a16:creationId xmlns:a16="http://schemas.microsoft.com/office/drawing/2014/main" id="{FC8EF5E0-74C9-4F99-CC87-F0DAFC2304D3}"/>
               </a:ext>
             </a:extLst>
           </p:cNvPr>
@@ -856,7 +856,7 @@
           <a:bodyPr/>
           <a:lstStyle/>
           <a:p>
-            <a:fld id="{F9B1E6B7-CEA9-4D37-9691-CD4D69D53EAF}" type="datetimeFigureOut">
+            <a:fld id="{FBF2C4FB-A32B-44C7-A548-AC9C542492E6}" type="datetimeFigureOut">
               <a:rPr lang="zh-CN" altLang="en-US" smtClean="0"/>
               <a:t>2024/3/10</a:t>
             </a:fld>
@@ -869,7 +869,7 @@
           <p:cNvPr id="5" name="页脚占位符 4">
             <a:extLst>
               <a:ext uri="{FF2B5EF4-FFF2-40B4-BE49-F238E27FC236}">
-                <a16:creationId xmlns:a16="http://schemas.microsoft.com/office/drawing/2014/main" id="{30E94B76-CE9D-FA5E-C047-826A3592B7B1}"/>
+                <a16:creationId xmlns:a16="http://schemas.microsoft.com/office/drawing/2014/main" id="{1A8F78C3-DB5C-D92C-14CF-894EB103843C}"/>
               </a:ext>
             </a:extLst>
           </p:cNvPr>
@@ -894,7 +894,7 @@
           <p:cNvPr id="6" name="灯片编号占位符 5">
             <a:extLst>
               <a:ext uri="{FF2B5EF4-FFF2-40B4-BE49-F238E27FC236}">
-                <a16:creationId xmlns:a16="http://schemas.microsoft.com/office/drawing/2014/main" id="{C0E4DADB-8248-E9AA-B649-5DF0532271C0}"/>
+                <a16:creationId xmlns:a16="http://schemas.microsoft.com/office/drawing/2014/main" id="{D375D2D4-1043-BF72-38FC-ECEA7992CF0C}"/>
               </a:ext>
             </a:extLst>
           </p:cNvPr>
@@ -910,7 +910,7 @@
           <a:bodyPr/>
           <a:lstStyle/>
           <a:p>
-            <a:fld id="{B47DA75D-0CCD-4C85-9499-DDA32D5B2554}" type="slidenum">
+            <a:fld id="{E8ACC9A3-CEA0-4D0C-9AD0-FE513E53B8A8}" type="slidenum">
               <a:rPr lang="zh-CN" altLang="en-US" smtClean="0"/>
               <a:t>‹#›</a:t>
             </a:fld>
@@ -921,7 +921,7 @@
     </p:spTree>
     <p:extLst>
       <p:ext uri="{BB962C8B-B14F-4D97-AF65-F5344CB8AC3E}">
-        <p14:creationId xmlns:p14="http://schemas.microsoft.com/office/powerpoint/2010/main" val="2731497409"/>
+        <p14:creationId xmlns:p14="http://schemas.microsoft.com/office/powerpoint/2010/main" val="181883580"/>
       </p:ext>
     </p:extLst>
   </p:cSld>
@@ -953,7 +953,7 @@
           <p:cNvPr id="2" name="标题 1">
             <a:extLst>
               <a:ext uri="{FF2B5EF4-FFF2-40B4-BE49-F238E27FC236}">
-                <a16:creationId xmlns:a16="http://schemas.microsoft.com/office/drawing/2014/main" id="{580229B0-BBA7-032E-A08A-8F85CA7024C0}"/>
+                <a16:creationId xmlns:a16="http://schemas.microsoft.com/office/drawing/2014/main" id="{CE70777C-CF48-77D2-B77F-FCDD2EE5DC4F}"/>
               </a:ext>
             </a:extLst>
           </p:cNvPr>
@@ -990,7 +990,7 @@
           <p:cNvPr id="3" name="文本占位符 2">
             <a:extLst>
               <a:ext uri="{FF2B5EF4-FFF2-40B4-BE49-F238E27FC236}">
-                <a16:creationId xmlns:a16="http://schemas.microsoft.com/office/drawing/2014/main" id="{70905AEE-695C-D309-D8FA-CF21EE793A6C}"/>
+                <a16:creationId xmlns:a16="http://schemas.microsoft.com/office/drawing/2014/main" id="{63BAAA76-FF61-10AE-A437-C5A64F21E9F4}"/>
               </a:ext>
             </a:extLst>
           </p:cNvPr>
@@ -1115,7 +1115,7 @@
           <p:cNvPr id="4" name="日期占位符 3">
             <a:extLst>
               <a:ext uri="{FF2B5EF4-FFF2-40B4-BE49-F238E27FC236}">
-                <a16:creationId xmlns:a16="http://schemas.microsoft.com/office/drawing/2014/main" id="{B24F5615-2D29-4EA6-5BCF-363739A218AA}"/>
+                <a16:creationId xmlns:a16="http://schemas.microsoft.com/office/drawing/2014/main" id="{DAF02974-63A7-EB57-DADA-F59EAB18E73E}"/>
               </a:ext>
             </a:extLst>
           </p:cNvPr>
@@ -1131,7 +1131,7 @@
           <a:bodyPr/>
           <a:lstStyle/>
           <a:p>
-            <a:fld id="{F9B1E6B7-CEA9-4D37-9691-CD4D69D53EAF}" type="datetimeFigureOut">
+            <a:fld id="{FBF2C4FB-A32B-44C7-A548-AC9C542492E6}" type="datetimeFigureOut">
               <a:rPr lang="zh-CN" altLang="en-US" smtClean="0"/>
               <a:t>2024/3/10</a:t>
             </a:fld>
@@ -1144,7 +1144,7 @@
           <p:cNvPr id="5" name="页脚占位符 4">
             <a:extLst>
               <a:ext uri="{FF2B5EF4-FFF2-40B4-BE49-F238E27FC236}">
-                <a16:creationId xmlns:a16="http://schemas.microsoft.com/office/drawing/2014/main" id="{7FDBD0ED-6747-E3C8-7F1F-592EFEDB8608}"/>
+                <a16:creationId xmlns:a16="http://schemas.microsoft.com/office/drawing/2014/main" id="{B0C1EF4B-0B90-CEEA-F328-5C265B5CA4A8}"/>
               </a:ext>
             </a:extLst>
           </p:cNvPr>
@@ -1169,7 +1169,7 @@
           <p:cNvPr id="6" name="灯片编号占位符 5">
             <a:extLst>
               <a:ext uri="{FF2B5EF4-FFF2-40B4-BE49-F238E27FC236}">
-                <a16:creationId xmlns:a16="http://schemas.microsoft.com/office/drawing/2014/main" id="{0EF0DDB8-EC6E-99D7-25F0-C63DD2EDFB9E}"/>
+                <a16:creationId xmlns:a16="http://schemas.microsoft.com/office/drawing/2014/main" id="{7BA5D83A-B7FB-C9FF-CDF2-61442FA26EC9}"/>
               </a:ext>
             </a:extLst>
           </p:cNvPr>
@@ -1185,7 +1185,7 @@
           <a:bodyPr/>
           <a:lstStyle/>
           <a:p>
-            <a:fld id="{B47DA75D-0CCD-4C85-9499-DDA32D5B2554}" type="slidenum">
+            <a:fld id="{E8ACC9A3-CEA0-4D0C-9AD0-FE513E53B8A8}" type="slidenum">
               <a:rPr lang="zh-CN" altLang="en-US" smtClean="0"/>
               <a:t>‹#›</a:t>
             </a:fld>
@@ -1196,7 +1196,7 @@
     </p:spTree>
     <p:extLst>
       <p:ext uri="{BB962C8B-B14F-4D97-AF65-F5344CB8AC3E}">
-        <p14:creationId xmlns:p14="http://schemas.microsoft.com/office/powerpoint/2010/main" val="3066480619"/>
+        <p14:creationId xmlns:p14="http://schemas.microsoft.com/office/powerpoint/2010/main" val="3359440673"/>
       </p:ext>
     </p:extLst>
   </p:cSld>
@@ -1228,7 +1228,7 @@
           <p:cNvPr id="2" name="标题 1">
             <a:extLst>
               <a:ext uri="{FF2B5EF4-FFF2-40B4-BE49-F238E27FC236}">
-                <a16:creationId xmlns:a16="http://schemas.microsoft.com/office/drawing/2014/main" id="{BB86E425-98C1-98B2-5AEA-D1A9775724FE}"/>
+                <a16:creationId xmlns:a16="http://schemas.microsoft.com/office/drawing/2014/main" id="{9FBA06FD-00F1-16F0-6D5C-74C1C8E4EAD3}"/>
               </a:ext>
             </a:extLst>
           </p:cNvPr>
@@ -1256,7 +1256,7 @@
           <p:cNvPr id="3" name="内容占位符 2">
             <a:extLst>
               <a:ext uri="{FF2B5EF4-FFF2-40B4-BE49-F238E27FC236}">
-                <a16:creationId xmlns:a16="http://schemas.microsoft.com/office/drawing/2014/main" id="{C14633CD-DE31-5F41-08A6-B70F8ADED8EF}"/>
+                <a16:creationId xmlns:a16="http://schemas.microsoft.com/office/drawing/2014/main" id="{114A7274-9661-EA23-1B56-1BB5DB6D1058}"/>
               </a:ext>
             </a:extLst>
           </p:cNvPr>
@@ -1318,7 +1318,7 @@
           <p:cNvPr id="4" name="内容占位符 3">
             <a:extLst>
               <a:ext uri="{FF2B5EF4-FFF2-40B4-BE49-F238E27FC236}">
-                <a16:creationId xmlns:a16="http://schemas.microsoft.com/office/drawing/2014/main" id="{A1B48589-FFC7-C025-F47B-7E724DEE327E}"/>
+                <a16:creationId xmlns:a16="http://schemas.microsoft.com/office/drawing/2014/main" id="{892AE979-ECFC-6490-11E9-4245DEBE785B}"/>
               </a:ext>
             </a:extLst>
           </p:cNvPr>
@@ -1380,7 +1380,7 @@
           <p:cNvPr id="5" name="日期占位符 4">
             <a:extLst>
               <a:ext uri="{FF2B5EF4-FFF2-40B4-BE49-F238E27FC236}">
-                <a16:creationId xmlns:a16="http://schemas.microsoft.com/office/drawing/2014/main" id="{D7084729-3765-A275-B788-54E817D25073}"/>
+                <a16:creationId xmlns:a16="http://schemas.microsoft.com/office/drawing/2014/main" id="{81962BDF-1199-3D47-BDB0-934A5DF495D3}"/>
               </a:ext>
             </a:extLst>
           </p:cNvPr>
@@ -1396,7 +1396,7 @@
           <a:bodyPr/>
           <a:lstStyle/>
           <a:p>
-            <a:fld id="{F9B1E6B7-CEA9-4D37-9691-CD4D69D53EAF}" type="datetimeFigureOut">
+            <a:fld id="{FBF2C4FB-A32B-44C7-A548-AC9C542492E6}" type="datetimeFigureOut">
               <a:rPr lang="zh-CN" altLang="en-US" smtClean="0"/>
               <a:t>2024/3/10</a:t>
             </a:fld>
@@ -1409,7 +1409,7 @@
           <p:cNvPr id="6" name="页脚占位符 5">
             <a:extLst>
               <a:ext uri="{FF2B5EF4-FFF2-40B4-BE49-F238E27FC236}">
-                <a16:creationId xmlns:a16="http://schemas.microsoft.com/office/drawing/2014/main" id="{216984C6-A8FB-7610-11F1-FC6DDBAAC62C}"/>
+                <a16:creationId xmlns:a16="http://schemas.microsoft.com/office/drawing/2014/main" id="{4DD6DD90-2DD0-F9A4-19E9-82D5D570B3CF}"/>
               </a:ext>
             </a:extLst>
           </p:cNvPr>
@@ -1434,7 +1434,7 @@
           <p:cNvPr id="7" name="灯片编号占位符 6">
             <a:extLst>
               <a:ext uri="{FF2B5EF4-FFF2-40B4-BE49-F238E27FC236}">
-                <a16:creationId xmlns:a16="http://schemas.microsoft.com/office/drawing/2014/main" id="{E1D9E80E-3BDE-2E11-A79D-D0CC65AC7792}"/>
+                <a16:creationId xmlns:a16="http://schemas.microsoft.com/office/drawing/2014/main" id="{011C4F36-25BB-0858-28B5-03D09192E5BA}"/>
               </a:ext>
             </a:extLst>
           </p:cNvPr>
@@ -1450,7 +1450,7 @@
           <a:bodyPr/>
           <a:lstStyle/>
           <a:p>
-            <a:fld id="{B47DA75D-0CCD-4C85-9499-DDA32D5B2554}" type="slidenum">
+            <a:fld id="{E8ACC9A3-CEA0-4D0C-9AD0-FE513E53B8A8}" type="slidenum">
               <a:rPr lang="zh-CN" altLang="en-US" smtClean="0"/>
               <a:t>‹#›</a:t>
             </a:fld>
@@ -1461,7 +1461,7 @@
     </p:spTree>
     <p:extLst>
       <p:ext uri="{BB962C8B-B14F-4D97-AF65-F5344CB8AC3E}">
-        <p14:creationId xmlns:p14="http://schemas.microsoft.com/office/powerpoint/2010/main" val="3178069097"/>
+        <p14:creationId xmlns:p14="http://schemas.microsoft.com/office/powerpoint/2010/main" val="4011294816"/>
       </p:ext>
     </p:extLst>
   </p:cSld>
@@ -1493,7 +1493,7 @@
           <p:cNvPr id="2" name="标题 1">
             <a:extLst>
               <a:ext uri="{FF2B5EF4-FFF2-40B4-BE49-F238E27FC236}">
-                <a16:creationId xmlns:a16="http://schemas.microsoft.com/office/drawing/2014/main" id="{2C579684-6689-8DD7-CDB6-16B69412CAE1}"/>
+                <a16:creationId xmlns:a16="http://schemas.microsoft.com/office/drawing/2014/main" id="{F86F76FE-1FA4-A1D8-4A53-1DC945109FEF}"/>
               </a:ext>
             </a:extLst>
           </p:cNvPr>
@@ -1526,7 +1526,7 @@
           <p:cNvPr id="3" name="文本占位符 2">
             <a:extLst>
               <a:ext uri="{FF2B5EF4-FFF2-40B4-BE49-F238E27FC236}">
-                <a16:creationId xmlns:a16="http://schemas.microsoft.com/office/drawing/2014/main" id="{4904269F-DEC4-0E2B-ADB1-FC3199AE6E02}"/>
+                <a16:creationId xmlns:a16="http://schemas.microsoft.com/office/drawing/2014/main" id="{5BB16C36-EAAB-312B-4BA2-8ED49F7D3C72}"/>
               </a:ext>
             </a:extLst>
           </p:cNvPr>
@@ -1597,7 +1597,7 @@
           <p:cNvPr id="4" name="内容占位符 3">
             <a:extLst>
               <a:ext uri="{FF2B5EF4-FFF2-40B4-BE49-F238E27FC236}">
-                <a16:creationId xmlns:a16="http://schemas.microsoft.com/office/drawing/2014/main" id="{87E7B589-ADE4-AED1-F6B8-3C76E7CAD1D7}"/>
+                <a16:creationId xmlns:a16="http://schemas.microsoft.com/office/drawing/2014/main" id="{B0C882F9-40E3-92D8-891A-218BDA18E650}"/>
               </a:ext>
             </a:extLst>
           </p:cNvPr>
@@ -1659,7 +1659,7 @@
           <p:cNvPr id="5" name="文本占位符 4">
             <a:extLst>
               <a:ext uri="{FF2B5EF4-FFF2-40B4-BE49-F238E27FC236}">
-                <a16:creationId xmlns:a16="http://schemas.microsoft.com/office/drawing/2014/main" id="{D0EE73F7-41FD-D620-62B6-589410CBD153}"/>
+                <a16:creationId xmlns:a16="http://schemas.microsoft.com/office/drawing/2014/main" id="{1292FACA-AF64-BF13-BD2A-05222ECE876E}"/>
               </a:ext>
             </a:extLst>
           </p:cNvPr>
@@ -1730,7 +1730,7 @@
           <p:cNvPr id="6" name="内容占位符 5">
             <a:extLst>
               <a:ext uri="{FF2B5EF4-FFF2-40B4-BE49-F238E27FC236}">
-                <a16:creationId xmlns:a16="http://schemas.microsoft.com/office/drawing/2014/main" id="{F0262D9A-621C-C783-4ECE-0636703220C8}"/>
+                <a16:creationId xmlns:a16="http://schemas.microsoft.com/office/drawing/2014/main" id="{305D0E4A-11E8-4392-6698-ED650A64AC04}"/>
               </a:ext>
             </a:extLst>
           </p:cNvPr>
@@ -1792,7 +1792,7 @@
           <p:cNvPr id="7" name="日期占位符 6">
             <a:extLst>
               <a:ext uri="{FF2B5EF4-FFF2-40B4-BE49-F238E27FC236}">
-                <a16:creationId xmlns:a16="http://schemas.microsoft.com/office/drawing/2014/main" id="{F3CD936D-CAB4-23FB-0C3E-74F566328232}"/>
+                <a16:creationId xmlns:a16="http://schemas.microsoft.com/office/drawing/2014/main" id="{FABA6EA2-D00E-43FF-B6F8-16BD2C4C4D5A}"/>
               </a:ext>
             </a:extLst>
           </p:cNvPr>
@@ -1808,7 +1808,7 @@
           <a:bodyPr/>
           <a:lstStyle/>
           <a:p>
-            <a:fld id="{F9B1E6B7-CEA9-4D37-9691-CD4D69D53EAF}" type="datetimeFigureOut">
+            <a:fld id="{FBF2C4FB-A32B-44C7-A548-AC9C542492E6}" type="datetimeFigureOut">
               <a:rPr lang="zh-CN" altLang="en-US" smtClean="0"/>
               <a:t>2024/3/10</a:t>
             </a:fld>
@@ -1821,7 +1821,7 @@
           <p:cNvPr id="8" name="页脚占位符 7">
             <a:extLst>
               <a:ext uri="{FF2B5EF4-FFF2-40B4-BE49-F238E27FC236}">
-                <a16:creationId xmlns:a16="http://schemas.microsoft.com/office/drawing/2014/main" id="{1E5376A8-0813-D74C-4C81-B13FC61A869C}"/>
+                <a16:creationId xmlns:a16="http://schemas.microsoft.com/office/drawing/2014/main" id="{97FA7751-FCC1-F243-20DC-3C1A404EBD30}"/>
               </a:ext>
             </a:extLst>
           </p:cNvPr>
@@ -1846,7 +1846,7 @@
           <p:cNvPr id="9" name="灯片编号占位符 8">
             <a:extLst>
               <a:ext uri="{FF2B5EF4-FFF2-40B4-BE49-F238E27FC236}">
-                <a16:creationId xmlns:a16="http://schemas.microsoft.com/office/drawing/2014/main" id="{4E8E346E-D0E8-6F9C-0BD8-FAE694B11262}"/>
+                <a16:creationId xmlns:a16="http://schemas.microsoft.com/office/drawing/2014/main" id="{C5507D46-7B31-786B-A709-110D9145B552}"/>
               </a:ext>
             </a:extLst>
           </p:cNvPr>
@@ -1862,7 +1862,7 @@
           <a:bodyPr/>
           <a:lstStyle/>
           <a:p>
-            <a:fld id="{B47DA75D-0CCD-4C85-9499-DDA32D5B2554}" type="slidenum">
+            <a:fld id="{E8ACC9A3-CEA0-4D0C-9AD0-FE513E53B8A8}" type="slidenum">
               <a:rPr lang="zh-CN" altLang="en-US" smtClean="0"/>
               <a:t>‹#›</a:t>
             </a:fld>
@@ -1873,7 +1873,7 @@
     </p:spTree>
     <p:extLst>
       <p:ext uri="{BB962C8B-B14F-4D97-AF65-F5344CB8AC3E}">
-        <p14:creationId xmlns:p14="http://schemas.microsoft.com/office/powerpoint/2010/main" val="1365151776"/>
+        <p14:creationId xmlns:p14="http://schemas.microsoft.com/office/powerpoint/2010/main" val="660685133"/>
       </p:ext>
     </p:extLst>
   </p:cSld>
@@ -1905,7 +1905,7 @@
           <p:cNvPr id="2" name="标题 1">
             <a:extLst>
               <a:ext uri="{FF2B5EF4-FFF2-40B4-BE49-F238E27FC236}">
-                <a16:creationId xmlns:a16="http://schemas.microsoft.com/office/drawing/2014/main" id="{FCAC4728-D774-742B-8FA7-F9D26CE906F5}"/>
+                <a16:creationId xmlns:a16="http://schemas.microsoft.com/office/drawing/2014/main" id="{26EE56AC-3095-05FA-12FB-BF662DA8575C}"/>
               </a:ext>
             </a:extLst>
           </p:cNvPr>
@@ -1933,7 +1933,7 @@
           <p:cNvPr id="3" name="日期占位符 2">
             <a:extLst>
               <a:ext uri="{FF2B5EF4-FFF2-40B4-BE49-F238E27FC236}">
-                <a16:creationId xmlns:a16="http://schemas.microsoft.com/office/drawing/2014/main" id="{ACFFA54F-8DAB-E68C-015D-A346BC90900F}"/>
+                <a16:creationId xmlns:a16="http://schemas.microsoft.com/office/drawing/2014/main" id="{1239494A-C8F7-6991-0774-08EE3B505976}"/>
               </a:ext>
             </a:extLst>
           </p:cNvPr>
@@ -1949,7 +1949,7 @@
           <a:bodyPr/>
           <a:lstStyle/>
           <a:p>
-            <a:fld id="{F9B1E6B7-CEA9-4D37-9691-CD4D69D53EAF}" type="datetimeFigureOut">
+            <a:fld id="{FBF2C4FB-A32B-44C7-A548-AC9C542492E6}" type="datetimeFigureOut">
               <a:rPr lang="zh-CN" altLang="en-US" smtClean="0"/>
               <a:t>2024/3/10</a:t>
             </a:fld>
@@ -1962,7 +1962,7 @@
           <p:cNvPr id="4" name="页脚占位符 3">
             <a:extLst>
               <a:ext uri="{FF2B5EF4-FFF2-40B4-BE49-F238E27FC236}">
-                <a16:creationId xmlns:a16="http://schemas.microsoft.com/office/drawing/2014/main" id="{8B50CC66-D6A8-58C7-323D-B991D9E1268D}"/>
+                <a16:creationId xmlns:a16="http://schemas.microsoft.com/office/drawing/2014/main" id="{B90F62E7-52C1-58F4-F2B6-F4AEFE5AA2AE}"/>
               </a:ext>
             </a:extLst>
           </p:cNvPr>
@@ -1987,7 +1987,7 @@
           <p:cNvPr id="5" name="灯片编号占位符 4">
             <a:extLst>
               <a:ext uri="{FF2B5EF4-FFF2-40B4-BE49-F238E27FC236}">
-                <a16:creationId xmlns:a16="http://schemas.microsoft.com/office/drawing/2014/main" id="{3A334939-A406-532E-E5AA-416788604CF1}"/>
+                <a16:creationId xmlns:a16="http://schemas.microsoft.com/office/drawing/2014/main" id="{6C354BCA-B206-E297-D4C1-20D9A4EAB536}"/>
               </a:ext>
             </a:extLst>
           </p:cNvPr>
@@ -2003,7 +2003,7 @@
           <a:bodyPr/>
           <a:lstStyle/>
           <a:p>
-            <a:fld id="{B47DA75D-0CCD-4C85-9499-DDA32D5B2554}" type="slidenum">
+            <a:fld id="{E8ACC9A3-CEA0-4D0C-9AD0-FE513E53B8A8}" type="slidenum">
               <a:rPr lang="zh-CN" altLang="en-US" smtClean="0"/>
               <a:t>‹#›</a:t>
             </a:fld>
@@ -2014,7 +2014,7 @@
     </p:spTree>
     <p:extLst>
       <p:ext uri="{BB962C8B-B14F-4D97-AF65-F5344CB8AC3E}">
-        <p14:creationId xmlns:p14="http://schemas.microsoft.com/office/powerpoint/2010/main" val="1376549735"/>
+        <p14:creationId xmlns:p14="http://schemas.microsoft.com/office/powerpoint/2010/main" val="3301551370"/>
       </p:ext>
     </p:extLst>
   </p:cSld>
@@ -2046,7 +2046,7 @@
           <p:cNvPr id="2" name="日期占位符 1">
             <a:extLst>
               <a:ext uri="{FF2B5EF4-FFF2-40B4-BE49-F238E27FC236}">
-                <a16:creationId xmlns:a16="http://schemas.microsoft.com/office/drawing/2014/main" id="{8FCB3514-4E4C-8B58-D960-3318064EEF67}"/>
+                <a16:creationId xmlns:a16="http://schemas.microsoft.com/office/drawing/2014/main" id="{E69FBAF9-5ACE-5367-B3BF-3F46AACF2651}"/>
               </a:ext>
             </a:extLst>
           </p:cNvPr>
@@ -2062,7 +2062,7 @@
           <a:bodyPr/>
           <a:lstStyle/>
           <a:p>
-            <a:fld id="{F9B1E6B7-CEA9-4D37-9691-CD4D69D53EAF}" type="datetimeFigureOut">
+            <a:fld id="{FBF2C4FB-A32B-44C7-A548-AC9C542492E6}" type="datetimeFigureOut">
               <a:rPr lang="zh-CN" altLang="en-US" smtClean="0"/>
               <a:t>2024/3/10</a:t>
             </a:fld>
@@ -2075,7 +2075,7 @@
           <p:cNvPr id="3" name="页脚占位符 2">
             <a:extLst>
               <a:ext uri="{FF2B5EF4-FFF2-40B4-BE49-F238E27FC236}">
-                <a16:creationId xmlns:a16="http://schemas.microsoft.com/office/drawing/2014/main" id="{CC541836-7C3D-1126-12A3-AD12A82B8672}"/>
+                <a16:creationId xmlns:a16="http://schemas.microsoft.com/office/drawing/2014/main" id="{BC31EDF6-EB72-DEE6-BEF2-6BE597393629}"/>
               </a:ext>
             </a:extLst>
           </p:cNvPr>
@@ -2100,7 +2100,7 @@
           <p:cNvPr id="4" name="灯片编号占位符 3">
             <a:extLst>
               <a:ext uri="{FF2B5EF4-FFF2-40B4-BE49-F238E27FC236}">
-                <a16:creationId xmlns:a16="http://schemas.microsoft.com/office/drawing/2014/main" id="{76A56881-5D98-EC01-6A42-63B5FE4F42B1}"/>
+                <a16:creationId xmlns:a16="http://schemas.microsoft.com/office/drawing/2014/main" id="{5AAD8841-5941-0A22-37AA-2F14801DA81B}"/>
               </a:ext>
             </a:extLst>
           </p:cNvPr>
@@ -2116,7 +2116,7 @@
           <a:bodyPr/>
           <a:lstStyle/>
           <a:p>
-            <a:fld id="{B47DA75D-0CCD-4C85-9499-DDA32D5B2554}" type="slidenum">
+            <a:fld id="{E8ACC9A3-CEA0-4D0C-9AD0-FE513E53B8A8}" type="slidenum">
               <a:rPr lang="zh-CN" altLang="en-US" smtClean="0"/>
               <a:t>‹#›</a:t>
             </a:fld>
@@ -2127,7 +2127,7 @@
     </p:spTree>
     <p:extLst>
       <p:ext uri="{BB962C8B-B14F-4D97-AF65-F5344CB8AC3E}">
-        <p14:creationId xmlns:p14="http://schemas.microsoft.com/office/powerpoint/2010/main" val="498374649"/>
+        <p14:creationId xmlns:p14="http://schemas.microsoft.com/office/powerpoint/2010/main" val="875079722"/>
       </p:ext>
     </p:extLst>
   </p:cSld>
@@ -2159,7 +2159,7 @@
           <p:cNvPr id="2" name="标题 1">
             <a:extLst>
               <a:ext uri="{FF2B5EF4-FFF2-40B4-BE49-F238E27FC236}">
-                <a16:creationId xmlns:a16="http://schemas.microsoft.com/office/drawing/2014/main" id="{8C0B29E5-1310-9E28-898B-173A3D990E8C}"/>
+                <a16:creationId xmlns:a16="http://schemas.microsoft.com/office/drawing/2014/main" id="{4F3E9176-C9BD-FCEF-D14B-749483295FBC}"/>
               </a:ext>
             </a:extLst>
           </p:cNvPr>
@@ -2196,7 +2196,7 @@
           <p:cNvPr id="3" name="内容占位符 2">
             <a:extLst>
               <a:ext uri="{FF2B5EF4-FFF2-40B4-BE49-F238E27FC236}">
-                <a16:creationId xmlns:a16="http://schemas.microsoft.com/office/drawing/2014/main" id="{B76696CE-30EF-3B2A-9DC8-9D0A17B42897}"/>
+                <a16:creationId xmlns:a16="http://schemas.microsoft.com/office/drawing/2014/main" id="{887838CA-5828-254F-2EE9-025337746A9C}"/>
               </a:ext>
             </a:extLst>
           </p:cNvPr>
@@ -2286,7 +2286,7 @@
           <p:cNvPr id="4" name="文本占位符 3">
             <a:extLst>
               <a:ext uri="{FF2B5EF4-FFF2-40B4-BE49-F238E27FC236}">
-                <a16:creationId xmlns:a16="http://schemas.microsoft.com/office/drawing/2014/main" id="{C58E1AF3-539D-A5B8-D77F-EB3C61DB3F2C}"/>
+                <a16:creationId xmlns:a16="http://schemas.microsoft.com/office/drawing/2014/main" id="{0F092DBE-15A9-873D-75A2-F71112E84B8C}"/>
               </a:ext>
             </a:extLst>
           </p:cNvPr>
@@ -2357,7 +2357,7 @@
           <p:cNvPr id="5" name="日期占位符 4">
             <a:extLst>
               <a:ext uri="{FF2B5EF4-FFF2-40B4-BE49-F238E27FC236}">
-                <a16:creationId xmlns:a16="http://schemas.microsoft.com/office/drawing/2014/main" id="{2B9701EF-1FE8-0102-894A-CE1B184E97CC}"/>
+                <a16:creationId xmlns:a16="http://schemas.microsoft.com/office/drawing/2014/main" id="{B3B50713-84A7-5F06-2F19-849763F94FE4}"/>
               </a:ext>
             </a:extLst>
           </p:cNvPr>
@@ -2373,7 +2373,7 @@
           <a:bodyPr/>
           <a:lstStyle/>
           <a:p>
-            <a:fld id="{F9B1E6B7-CEA9-4D37-9691-CD4D69D53EAF}" type="datetimeFigureOut">
+            <a:fld id="{FBF2C4FB-A32B-44C7-A548-AC9C542492E6}" type="datetimeFigureOut">
               <a:rPr lang="zh-CN" altLang="en-US" smtClean="0"/>
               <a:t>2024/3/10</a:t>
             </a:fld>
@@ -2386,7 +2386,7 @@
           <p:cNvPr id="6" name="页脚占位符 5">
             <a:extLst>
               <a:ext uri="{FF2B5EF4-FFF2-40B4-BE49-F238E27FC236}">
-                <a16:creationId xmlns:a16="http://schemas.microsoft.com/office/drawing/2014/main" id="{4B9E2A20-0202-76D3-A4CA-2F50C025DCE2}"/>
+                <a16:creationId xmlns:a16="http://schemas.microsoft.com/office/drawing/2014/main" id="{A80374C4-BBBB-05E7-4080-66EB26CE3AA3}"/>
               </a:ext>
             </a:extLst>
           </p:cNvPr>
@@ -2411,7 +2411,7 @@
           <p:cNvPr id="7" name="灯片编号占位符 6">
             <a:extLst>
               <a:ext uri="{FF2B5EF4-FFF2-40B4-BE49-F238E27FC236}">
-                <a16:creationId xmlns:a16="http://schemas.microsoft.com/office/drawing/2014/main" id="{DA2BD376-12A1-FBAC-FFD0-21CAF9A11E5E}"/>
+                <a16:creationId xmlns:a16="http://schemas.microsoft.com/office/drawing/2014/main" id="{F3AD3546-2EB8-9F0C-0E68-84301DF5622A}"/>
               </a:ext>
             </a:extLst>
           </p:cNvPr>
@@ -2427,7 +2427,7 @@
           <a:bodyPr/>
           <a:lstStyle/>
           <a:p>
-            <a:fld id="{B47DA75D-0CCD-4C85-9499-DDA32D5B2554}" type="slidenum">
+            <a:fld id="{E8ACC9A3-CEA0-4D0C-9AD0-FE513E53B8A8}" type="slidenum">
               <a:rPr lang="zh-CN" altLang="en-US" smtClean="0"/>
               <a:t>‹#›</a:t>
             </a:fld>
@@ -2438,7 +2438,7 @@
     </p:spTree>
     <p:extLst>
       <p:ext uri="{BB962C8B-B14F-4D97-AF65-F5344CB8AC3E}">
-        <p14:creationId xmlns:p14="http://schemas.microsoft.com/office/powerpoint/2010/main" val="1648926818"/>
+        <p14:creationId xmlns:p14="http://schemas.microsoft.com/office/powerpoint/2010/main" val="596102506"/>
       </p:ext>
     </p:extLst>
   </p:cSld>
@@ -2470,7 +2470,7 @@
           <p:cNvPr id="2" name="标题 1">
             <a:extLst>
               <a:ext uri="{FF2B5EF4-FFF2-40B4-BE49-F238E27FC236}">
-                <a16:creationId xmlns:a16="http://schemas.microsoft.com/office/drawing/2014/main" id="{ADDCDC0B-87BD-E13A-30D0-8709DF5D8AA7}"/>
+                <a16:creationId xmlns:a16="http://schemas.microsoft.com/office/drawing/2014/main" id="{550731DD-4958-7F54-B2E5-5F3244874366}"/>
               </a:ext>
             </a:extLst>
           </p:cNvPr>
@@ -2507,7 +2507,7 @@
           <p:cNvPr id="3" name="图片占位符 2">
             <a:extLst>
               <a:ext uri="{FF2B5EF4-FFF2-40B4-BE49-F238E27FC236}">
-                <a16:creationId xmlns:a16="http://schemas.microsoft.com/office/drawing/2014/main" id="{66DFB71A-CA1D-639B-2B94-78B8DC6F464F}"/>
+                <a16:creationId xmlns:a16="http://schemas.microsoft.com/office/drawing/2014/main" id="{0AE64BF0-34EF-BB0C-6EBC-DF111A676EC2}"/>
               </a:ext>
             </a:extLst>
           </p:cNvPr>
@@ -2574,7 +2574,7 @@
           <p:cNvPr id="4" name="文本占位符 3">
             <a:extLst>
               <a:ext uri="{FF2B5EF4-FFF2-40B4-BE49-F238E27FC236}">
-                <a16:creationId xmlns:a16="http://schemas.microsoft.com/office/drawing/2014/main" id="{82146103-9C88-9AA5-F496-0099CCC41E08}"/>
+                <a16:creationId xmlns:a16="http://schemas.microsoft.com/office/drawing/2014/main" id="{A383F19F-C37A-2DFD-BCC7-F768E93BFA1F}"/>
               </a:ext>
             </a:extLst>
           </p:cNvPr>
@@ -2645,7 +2645,7 @@
           <p:cNvPr id="5" name="日期占位符 4">
             <a:extLst>
               <a:ext uri="{FF2B5EF4-FFF2-40B4-BE49-F238E27FC236}">
-                <a16:creationId xmlns:a16="http://schemas.microsoft.com/office/drawing/2014/main" id="{ACFF1038-8396-D6C9-3B25-EF5A8430761C}"/>
+                <a16:creationId xmlns:a16="http://schemas.microsoft.com/office/drawing/2014/main" id="{D88ED549-31E0-6DC7-2920-22F99ED5587D}"/>
               </a:ext>
             </a:extLst>
           </p:cNvPr>
@@ -2661,7 +2661,7 @@
           <a:bodyPr/>
           <a:lstStyle/>
           <a:p>
-            <a:fld id="{F9B1E6B7-CEA9-4D37-9691-CD4D69D53EAF}" type="datetimeFigureOut">
+            <a:fld id="{FBF2C4FB-A32B-44C7-A548-AC9C542492E6}" type="datetimeFigureOut">
               <a:rPr lang="zh-CN" altLang="en-US" smtClean="0"/>
               <a:t>2024/3/10</a:t>
             </a:fld>
@@ -2674,7 +2674,7 @@
           <p:cNvPr id="6" name="页脚占位符 5">
             <a:extLst>
               <a:ext uri="{FF2B5EF4-FFF2-40B4-BE49-F238E27FC236}">
-                <a16:creationId xmlns:a16="http://schemas.microsoft.com/office/drawing/2014/main" id="{6DA1739F-242C-5105-2621-D53D1290FAE0}"/>
+                <a16:creationId xmlns:a16="http://schemas.microsoft.com/office/drawing/2014/main" id="{3AD3E61D-320F-D817-5872-BF365FE66FFB}"/>
               </a:ext>
             </a:extLst>
           </p:cNvPr>
@@ -2699,7 +2699,7 @@
           <p:cNvPr id="7" name="灯片编号占位符 6">
             <a:extLst>
               <a:ext uri="{FF2B5EF4-FFF2-40B4-BE49-F238E27FC236}">
-                <a16:creationId xmlns:a16="http://schemas.microsoft.com/office/drawing/2014/main" id="{C3923FC8-30AE-EA66-C991-44D296B728B8}"/>
+                <a16:creationId xmlns:a16="http://schemas.microsoft.com/office/drawing/2014/main" id="{05262ECB-62D1-9F30-2DA5-C6AC1D54474A}"/>
               </a:ext>
             </a:extLst>
           </p:cNvPr>
@@ -2715,7 +2715,7 @@
           <a:bodyPr/>
           <a:lstStyle/>
           <a:p>
-            <a:fld id="{B47DA75D-0CCD-4C85-9499-DDA32D5B2554}" type="slidenum">
+            <a:fld id="{E8ACC9A3-CEA0-4D0C-9AD0-FE513E53B8A8}" type="slidenum">
               <a:rPr lang="zh-CN" altLang="en-US" smtClean="0"/>
               <a:t>‹#›</a:t>
             </a:fld>
@@ -2726,7 +2726,7 @@
     </p:spTree>
     <p:extLst>
       <p:ext uri="{BB962C8B-B14F-4D97-AF65-F5344CB8AC3E}">
-        <p14:creationId xmlns:p14="http://schemas.microsoft.com/office/powerpoint/2010/main" val="1433940609"/>
+        <p14:creationId xmlns:p14="http://schemas.microsoft.com/office/powerpoint/2010/main" val="1215144328"/>
       </p:ext>
     </p:extLst>
   </p:cSld>
@@ -2763,7 +2763,7 @@
           <p:cNvPr id="2" name="标题占位符 1">
             <a:extLst>
               <a:ext uri="{FF2B5EF4-FFF2-40B4-BE49-F238E27FC236}">
-                <a16:creationId xmlns:a16="http://schemas.microsoft.com/office/drawing/2014/main" id="{758AF3E7-CE6D-A82B-BE5B-737C6A2B1780}"/>
+                <a16:creationId xmlns:a16="http://schemas.microsoft.com/office/drawing/2014/main" id="{D1687E2D-3E1E-C39C-1248-3D7337A3FC4A}"/>
               </a:ext>
             </a:extLst>
           </p:cNvPr>
@@ -2801,7 +2801,7 @@
           <p:cNvPr id="3" name="文本占位符 2">
             <a:extLst>
               <a:ext uri="{FF2B5EF4-FFF2-40B4-BE49-F238E27FC236}">
-                <a16:creationId xmlns:a16="http://schemas.microsoft.com/office/drawing/2014/main" id="{4A44216A-6E62-BB5E-C2F1-4C0B866E2D92}"/>
+                <a16:creationId xmlns:a16="http://schemas.microsoft.com/office/drawing/2014/main" id="{9C8BCA10-009E-477A-4CD7-64C91892C284}"/>
               </a:ext>
             </a:extLst>
           </p:cNvPr>
@@ -2868,7 +2868,7 @@
           <p:cNvPr id="4" name="日期占位符 3">
             <a:extLst>
               <a:ext uri="{FF2B5EF4-FFF2-40B4-BE49-F238E27FC236}">
-                <a16:creationId xmlns:a16="http://schemas.microsoft.com/office/drawing/2014/main" id="{680A9D94-1075-497A-99B2-5633CEDC4F6B}"/>
+                <a16:creationId xmlns:a16="http://schemas.microsoft.com/office/drawing/2014/main" id="{88FEA659-357B-89AD-3774-FD2AE27FC134}"/>
               </a:ext>
             </a:extLst>
           </p:cNvPr>
@@ -2902,7 +2902,7 @@
             </a:lvl1pPr>
           </a:lstStyle>
           <a:p>
-            <a:fld id="{F9B1E6B7-CEA9-4D37-9691-CD4D69D53EAF}" type="datetimeFigureOut">
+            <a:fld id="{FBF2C4FB-A32B-44C7-A548-AC9C542492E6}" type="datetimeFigureOut">
               <a:rPr lang="zh-CN" altLang="en-US" smtClean="0"/>
               <a:t>2024/3/10</a:t>
             </a:fld>
@@ -2915,7 +2915,7 @@
           <p:cNvPr id="5" name="页脚占位符 4">
             <a:extLst>
               <a:ext uri="{FF2B5EF4-FFF2-40B4-BE49-F238E27FC236}">
-                <a16:creationId xmlns:a16="http://schemas.microsoft.com/office/drawing/2014/main" id="{120DF24F-D71F-8DF9-E7DA-B532AE28C24D}"/>
+                <a16:creationId xmlns:a16="http://schemas.microsoft.com/office/drawing/2014/main" id="{6F60561F-821F-02AB-C06F-15C6FBDC5BB8}"/>
               </a:ext>
             </a:extLst>
           </p:cNvPr>
@@ -2958,7 +2958,7 @@
           <p:cNvPr id="6" name="灯片编号占位符 5">
             <a:extLst>
               <a:ext uri="{FF2B5EF4-FFF2-40B4-BE49-F238E27FC236}">
-                <a16:creationId xmlns:a16="http://schemas.microsoft.com/office/drawing/2014/main" id="{4333B484-C7AB-5E19-40E5-91980D931050}"/>
+                <a16:creationId xmlns:a16="http://schemas.microsoft.com/office/drawing/2014/main" id="{22325BC4-62DF-6ABA-6098-F028F6155568}"/>
               </a:ext>
             </a:extLst>
           </p:cNvPr>
@@ -2992,7 +2992,7 @@
             </a:lvl1pPr>
           </a:lstStyle>
           <a:p>
-            <a:fld id="{B47DA75D-0CCD-4C85-9499-DDA32D5B2554}" type="slidenum">
+            <a:fld id="{E8ACC9A3-CEA0-4D0C-9AD0-FE513E53B8A8}" type="slidenum">
               <a:rPr lang="zh-CN" altLang="en-US" smtClean="0"/>
               <a:t>‹#›</a:t>
             </a:fld>
@@ -3003,7 +3003,7 @@
     </p:spTree>
     <p:extLst>
       <p:ext uri="{BB962C8B-B14F-4D97-AF65-F5344CB8AC3E}">
-        <p14:creationId xmlns:p14="http://schemas.microsoft.com/office/powerpoint/2010/main" val="2756466550"/>
+        <p14:creationId xmlns:p14="http://schemas.microsoft.com/office/powerpoint/2010/main" val="2753135704"/>
       </p:ext>
     </p:extLst>
   </p:cSld>
